--- a/proposal/proposal-project-structure-diagram.pptx
+++ b/proposal/proposal-project-structure-diagram.pptx
@@ -243,7 +243,7 @@
           <a:p>
             <a:fld id="{1C54AB3B-3A03-4B9C-A77D-B0E6FF1BCA80}" type="datetimeFigureOut">
               <a:rPr lang="en-GB" smtClean="0"/>
-              <a:t>20/10/2016</a:t>
+              <a:t>02/03/2017</a:t>
             </a:fld>
             <a:endParaRPr lang="en-GB" dirty="0"/>
           </a:p>
@@ -413,7 +413,7 @@
           <a:p>
             <a:fld id="{1C54AB3B-3A03-4B9C-A77D-B0E6FF1BCA80}" type="datetimeFigureOut">
               <a:rPr lang="en-GB" smtClean="0"/>
-              <a:t>20/10/2016</a:t>
+              <a:t>02/03/2017</a:t>
             </a:fld>
             <a:endParaRPr lang="en-GB" dirty="0"/>
           </a:p>
@@ -593,7 +593,7 @@
           <a:p>
             <a:fld id="{1C54AB3B-3A03-4B9C-A77D-B0E6FF1BCA80}" type="datetimeFigureOut">
               <a:rPr lang="en-GB" smtClean="0"/>
-              <a:t>20/10/2016</a:t>
+              <a:t>02/03/2017</a:t>
             </a:fld>
             <a:endParaRPr lang="en-GB" dirty="0"/>
           </a:p>
@@ -763,7 +763,7 @@
           <a:p>
             <a:fld id="{1C54AB3B-3A03-4B9C-A77D-B0E6FF1BCA80}" type="datetimeFigureOut">
               <a:rPr lang="en-GB" smtClean="0"/>
-              <a:t>20/10/2016</a:t>
+              <a:t>02/03/2017</a:t>
             </a:fld>
             <a:endParaRPr lang="en-GB" dirty="0"/>
           </a:p>
@@ -1009,7 +1009,7 @@
           <a:p>
             <a:fld id="{1C54AB3B-3A03-4B9C-A77D-B0E6FF1BCA80}" type="datetimeFigureOut">
               <a:rPr lang="en-GB" smtClean="0"/>
-              <a:t>20/10/2016</a:t>
+              <a:t>02/03/2017</a:t>
             </a:fld>
             <a:endParaRPr lang="en-GB" dirty="0"/>
           </a:p>
@@ -1241,7 +1241,7 @@
           <a:p>
             <a:fld id="{1C54AB3B-3A03-4B9C-A77D-B0E6FF1BCA80}" type="datetimeFigureOut">
               <a:rPr lang="en-GB" smtClean="0"/>
-              <a:t>20/10/2016</a:t>
+              <a:t>02/03/2017</a:t>
             </a:fld>
             <a:endParaRPr lang="en-GB" dirty="0"/>
           </a:p>
@@ -1608,7 +1608,7 @@
           <a:p>
             <a:fld id="{1C54AB3B-3A03-4B9C-A77D-B0E6FF1BCA80}" type="datetimeFigureOut">
               <a:rPr lang="en-GB" smtClean="0"/>
-              <a:t>20/10/2016</a:t>
+              <a:t>02/03/2017</a:t>
             </a:fld>
             <a:endParaRPr lang="en-GB" dirty="0"/>
           </a:p>
@@ -1726,7 +1726,7 @@
           <a:p>
             <a:fld id="{1C54AB3B-3A03-4B9C-A77D-B0E6FF1BCA80}" type="datetimeFigureOut">
               <a:rPr lang="en-GB" smtClean="0"/>
-              <a:t>20/10/2016</a:t>
+              <a:t>02/03/2017</a:t>
             </a:fld>
             <a:endParaRPr lang="en-GB" dirty="0"/>
           </a:p>
@@ -1821,7 +1821,7 @@
           <a:p>
             <a:fld id="{1C54AB3B-3A03-4B9C-A77D-B0E6FF1BCA80}" type="datetimeFigureOut">
               <a:rPr lang="en-GB" smtClean="0"/>
-              <a:t>20/10/2016</a:t>
+              <a:t>02/03/2017</a:t>
             </a:fld>
             <a:endParaRPr lang="en-GB" dirty="0"/>
           </a:p>
@@ -2098,7 +2098,7 @@
           <a:p>
             <a:fld id="{1C54AB3B-3A03-4B9C-A77D-B0E6FF1BCA80}" type="datetimeFigureOut">
               <a:rPr lang="en-GB" smtClean="0"/>
-              <a:t>20/10/2016</a:t>
+              <a:t>02/03/2017</a:t>
             </a:fld>
             <a:endParaRPr lang="en-GB" dirty="0"/>
           </a:p>
@@ -2351,7 +2351,7 @@
           <a:p>
             <a:fld id="{1C54AB3B-3A03-4B9C-A77D-B0E6FF1BCA80}" type="datetimeFigureOut">
               <a:rPr lang="en-GB" smtClean="0"/>
-              <a:t>20/10/2016</a:t>
+              <a:t>02/03/2017</a:t>
             </a:fld>
             <a:endParaRPr lang="en-GB" dirty="0"/>
           </a:p>
@@ -2564,7 +2564,7 @@
           <a:p>
             <a:fld id="{1C54AB3B-3A03-4B9C-A77D-B0E6FF1BCA80}" type="datetimeFigureOut">
               <a:rPr lang="en-GB" smtClean="0"/>
-              <a:t>20/10/2016</a:t>
+              <a:t>02/03/2017</a:t>
             </a:fld>
             <a:endParaRPr lang="en-GB" dirty="0"/>
           </a:p>
@@ -3289,8 +3289,19 @@
                   <a:latin typeface="Times New Roman" panose="02020603050405020304" pitchFamily="18" charset="0"/>
                   <a:cs typeface="Times New Roman" panose="02020603050405020304" pitchFamily="18" charset="0"/>
                 </a:rPr>
-                <a:t>Compiled scripts (*.v)</a:t>
+                <a:t>Compiled scripts (*.</a:t>
               </a:r>
+              <a:r>
+                <a:rPr lang="en-GB" sz="1100">
+                  <a:latin typeface="Times New Roman" panose="02020603050405020304" pitchFamily="18" charset="0"/>
+                  <a:cs typeface="Times New Roman" panose="02020603050405020304" pitchFamily="18" charset="0"/>
+                </a:rPr>
+                <a:t>vo)</a:t>
+              </a:r>
+              <a:endParaRPr lang="en-GB" sz="1100" dirty="0">
+                <a:latin typeface="Times New Roman" panose="02020603050405020304" pitchFamily="18" charset="0"/>
+                <a:cs typeface="Times New Roman" panose="02020603050405020304" pitchFamily="18" charset="0"/>
+              </a:endParaRPr>
             </a:p>
           </p:txBody>
         </p:sp>

--- a/proposal/proposal-project-structure-diagram.pptx
+++ b/proposal/proposal-project-structure-diagram.pptx
@@ -243,7 +243,7 @@
           <a:p>
             <a:fld id="{1C54AB3B-3A03-4B9C-A77D-B0E6FF1BCA80}" type="datetimeFigureOut">
               <a:rPr lang="en-GB" smtClean="0"/>
-              <a:t>02/03/2017</a:t>
+              <a:t>22/03/2017</a:t>
             </a:fld>
             <a:endParaRPr lang="en-GB" dirty="0"/>
           </a:p>
@@ -413,7 +413,7 @@
           <a:p>
             <a:fld id="{1C54AB3B-3A03-4B9C-A77D-B0E6FF1BCA80}" type="datetimeFigureOut">
               <a:rPr lang="en-GB" smtClean="0"/>
-              <a:t>02/03/2017</a:t>
+              <a:t>22/03/2017</a:t>
             </a:fld>
             <a:endParaRPr lang="en-GB" dirty="0"/>
           </a:p>
@@ -593,7 +593,7 @@
           <a:p>
             <a:fld id="{1C54AB3B-3A03-4B9C-A77D-B0E6FF1BCA80}" type="datetimeFigureOut">
               <a:rPr lang="en-GB" smtClean="0"/>
-              <a:t>02/03/2017</a:t>
+              <a:t>22/03/2017</a:t>
             </a:fld>
             <a:endParaRPr lang="en-GB" dirty="0"/>
           </a:p>
@@ -763,7 +763,7 @@
           <a:p>
             <a:fld id="{1C54AB3B-3A03-4B9C-A77D-B0E6FF1BCA80}" type="datetimeFigureOut">
               <a:rPr lang="en-GB" smtClean="0"/>
-              <a:t>02/03/2017</a:t>
+              <a:t>22/03/2017</a:t>
             </a:fld>
             <a:endParaRPr lang="en-GB" dirty="0"/>
           </a:p>
@@ -1009,7 +1009,7 @@
           <a:p>
             <a:fld id="{1C54AB3B-3A03-4B9C-A77D-B0E6FF1BCA80}" type="datetimeFigureOut">
               <a:rPr lang="en-GB" smtClean="0"/>
-              <a:t>02/03/2017</a:t>
+              <a:t>22/03/2017</a:t>
             </a:fld>
             <a:endParaRPr lang="en-GB" dirty="0"/>
           </a:p>
@@ -1241,7 +1241,7 @@
           <a:p>
             <a:fld id="{1C54AB3B-3A03-4B9C-A77D-B0E6FF1BCA80}" type="datetimeFigureOut">
               <a:rPr lang="en-GB" smtClean="0"/>
-              <a:t>02/03/2017</a:t>
+              <a:t>22/03/2017</a:t>
             </a:fld>
             <a:endParaRPr lang="en-GB" dirty="0"/>
           </a:p>
@@ -1608,7 +1608,7 @@
           <a:p>
             <a:fld id="{1C54AB3B-3A03-4B9C-A77D-B0E6FF1BCA80}" type="datetimeFigureOut">
               <a:rPr lang="en-GB" smtClean="0"/>
-              <a:t>02/03/2017</a:t>
+              <a:t>22/03/2017</a:t>
             </a:fld>
             <a:endParaRPr lang="en-GB" dirty="0"/>
           </a:p>
@@ -1726,7 +1726,7 @@
           <a:p>
             <a:fld id="{1C54AB3B-3A03-4B9C-A77D-B0E6FF1BCA80}" type="datetimeFigureOut">
               <a:rPr lang="en-GB" smtClean="0"/>
-              <a:t>02/03/2017</a:t>
+              <a:t>22/03/2017</a:t>
             </a:fld>
             <a:endParaRPr lang="en-GB" dirty="0"/>
           </a:p>
@@ -1821,7 +1821,7 @@
           <a:p>
             <a:fld id="{1C54AB3B-3A03-4B9C-A77D-B0E6FF1BCA80}" type="datetimeFigureOut">
               <a:rPr lang="en-GB" smtClean="0"/>
-              <a:t>02/03/2017</a:t>
+              <a:t>22/03/2017</a:t>
             </a:fld>
             <a:endParaRPr lang="en-GB" dirty="0"/>
           </a:p>
@@ -2098,7 +2098,7 @@
           <a:p>
             <a:fld id="{1C54AB3B-3A03-4B9C-A77D-B0E6FF1BCA80}" type="datetimeFigureOut">
               <a:rPr lang="en-GB" smtClean="0"/>
-              <a:t>02/03/2017</a:t>
+              <a:t>22/03/2017</a:t>
             </a:fld>
             <a:endParaRPr lang="en-GB" dirty="0"/>
           </a:p>
@@ -2351,7 +2351,7 @@
           <a:p>
             <a:fld id="{1C54AB3B-3A03-4B9C-A77D-B0E6FF1BCA80}" type="datetimeFigureOut">
               <a:rPr lang="en-GB" smtClean="0"/>
-              <a:t>02/03/2017</a:t>
+              <a:t>22/03/2017</a:t>
             </a:fld>
             <a:endParaRPr lang="en-GB" dirty="0"/>
           </a:p>
@@ -2564,7 +2564,7 @@
           <a:p>
             <a:fld id="{1C54AB3B-3A03-4B9C-A77D-B0E6FF1BCA80}" type="datetimeFigureOut">
               <a:rPr lang="en-GB" smtClean="0"/>
-              <a:t>02/03/2017</a:t>
+              <a:t>22/03/2017</a:t>
             </a:fld>
             <a:endParaRPr lang="en-GB" dirty="0"/>
           </a:p>
@@ -3016,42 +3016,6 @@
             </a:p>
           </p:txBody>
         </p:sp>
-        <p:cxnSp>
-          <p:nvCxnSpPr>
-            <p:cNvPr id="24" name="Straight Arrow Connector 23"/>
-            <p:cNvCxnSpPr/>
-            <p:nvPr/>
-          </p:nvCxnSpPr>
-          <p:spPr>
-            <a:xfrm>
-              <a:off x="3133229" y="1083785"/>
-              <a:ext cx="690921" cy="0"/>
-            </a:xfrm>
-            <a:prstGeom prst="straightConnector1">
-              <a:avLst/>
-            </a:prstGeom>
-            <a:ln>
-              <a:solidFill>
-                <a:schemeClr val="tx1"/>
-              </a:solidFill>
-              <a:tailEnd type="triangle"/>
-            </a:ln>
-          </p:spPr>
-          <p:style>
-            <a:lnRef idx="1">
-              <a:schemeClr val="accent1"/>
-            </a:lnRef>
-            <a:fillRef idx="0">
-              <a:schemeClr val="accent1"/>
-            </a:fillRef>
-            <a:effectRef idx="0">
-              <a:schemeClr val="accent1"/>
-            </a:effectRef>
-            <a:fontRef idx="minor">
-              <a:schemeClr val="tx1"/>
-            </a:fontRef>
-          </p:style>
-        </p:cxnSp>
         <p:sp>
           <p:nvSpPr>
             <p:cNvPr id="39" name="TextBox 38"/>
@@ -3447,6 +3411,46 @@
           </p:txBody>
         </p:sp>
       </p:grpSp>
+      <p:cxnSp>
+        <p:nvCxnSpPr>
+          <p:cNvPr id="16" name="Straight Arrow Connector 15"/>
+          <p:cNvCxnSpPr>
+            <a:cxnSpLocks/>
+            <a:stCxn id="61" idx="6"/>
+            <a:endCxn id="64" idx="2"/>
+          </p:cNvCxnSpPr>
+          <p:nvPr/>
+        </p:nvCxnSpPr>
+        <p:spPr>
+          <a:xfrm>
+            <a:off x="3225129" y="1119589"/>
+            <a:ext cx="561765" cy="0"/>
+          </a:xfrm>
+          <a:prstGeom prst="straightConnector1">
+            <a:avLst/>
+          </a:prstGeom>
+          <a:ln>
+            <a:solidFill>
+              <a:schemeClr val="tx1"/>
+            </a:solidFill>
+            <a:tailEnd type="triangle"/>
+          </a:ln>
+        </p:spPr>
+        <p:style>
+          <a:lnRef idx="1">
+            <a:schemeClr val="accent1"/>
+          </a:lnRef>
+          <a:fillRef idx="0">
+            <a:schemeClr val="accent1"/>
+          </a:fillRef>
+          <a:effectRef idx="0">
+            <a:schemeClr val="accent1"/>
+          </a:effectRef>
+          <a:fontRef idx="minor">
+            <a:schemeClr val="tx1"/>
+          </a:fontRef>
+        </p:style>
+      </p:cxnSp>
     </p:spTree>
     <p:extLst>
       <p:ext uri="{BB962C8B-B14F-4D97-AF65-F5344CB8AC3E}">

--- a/proposal/proposal-project-structure-diagram.pptx
+++ b/proposal/proposal-project-structure-diagram.pptx
@@ -112,6 +112,10 @@
 </p:presentation>
 </file>
 
+<file path=ppt/revisionInfo.xml><?xml version="1.0" encoding="utf-8"?>
+<p1510:revInfo xmlns:a="http://schemas.openxmlformats.org/drawingml/2006/main" xmlns:r="http://schemas.openxmlformats.org/officeDocument/2006/relationships" xmlns:p1510="http://schemas.microsoft.com/office/powerpoint/2015/10/main"/>
+</file>
+
 <file path=ppt/slideLayouts/slideLayout1.xml><?xml version="1.0" encoding="utf-8"?>
 <p:sldLayout xmlns:a="http://schemas.openxmlformats.org/drawingml/2006/main" xmlns:r="http://schemas.openxmlformats.org/officeDocument/2006/relationships" xmlns:p="http://schemas.openxmlformats.org/presentationml/2006/main" type="title" preserve="1">
   <p:cSld name="Title Slide">
@@ -243,7 +247,7 @@
           <a:p>
             <a:fld id="{1C54AB3B-3A03-4B9C-A77D-B0E6FF1BCA80}" type="datetimeFigureOut">
               <a:rPr lang="en-GB" smtClean="0"/>
-              <a:t>22/03/2017</a:t>
+              <a:t>08/05/2017</a:t>
             </a:fld>
             <a:endParaRPr lang="en-GB" dirty="0"/>
           </a:p>
@@ -413,7 +417,7 @@
           <a:p>
             <a:fld id="{1C54AB3B-3A03-4B9C-A77D-B0E6FF1BCA80}" type="datetimeFigureOut">
               <a:rPr lang="en-GB" smtClean="0"/>
-              <a:t>22/03/2017</a:t>
+              <a:t>08/05/2017</a:t>
             </a:fld>
             <a:endParaRPr lang="en-GB" dirty="0"/>
           </a:p>
@@ -593,7 +597,7 @@
           <a:p>
             <a:fld id="{1C54AB3B-3A03-4B9C-A77D-B0E6FF1BCA80}" type="datetimeFigureOut">
               <a:rPr lang="en-GB" smtClean="0"/>
-              <a:t>22/03/2017</a:t>
+              <a:t>08/05/2017</a:t>
             </a:fld>
             <a:endParaRPr lang="en-GB" dirty="0"/>
           </a:p>
@@ -763,7 +767,7 @@
           <a:p>
             <a:fld id="{1C54AB3B-3A03-4B9C-A77D-B0E6FF1BCA80}" type="datetimeFigureOut">
               <a:rPr lang="en-GB" smtClean="0"/>
-              <a:t>22/03/2017</a:t>
+              <a:t>08/05/2017</a:t>
             </a:fld>
             <a:endParaRPr lang="en-GB" dirty="0"/>
           </a:p>
@@ -1009,7 +1013,7 @@
           <a:p>
             <a:fld id="{1C54AB3B-3A03-4B9C-A77D-B0E6FF1BCA80}" type="datetimeFigureOut">
               <a:rPr lang="en-GB" smtClean="0"/>
-              <a:t>22/03/2017</a:t>
+              <a:t>08/05/2017</a:t>
             </a:fld>
             <a:endParaRPr lang="en-GB" dirty="0"/>
           </a:p>
@@ -1241,7 +1245,7 @@
           <a:p>
             <a:fld id="{1C54AB3B-3A03-4B9C-A77D-B0E6FF1BCA80}" type="datetimeFigureOut">
               <a:rPr lang="en-GB" smtClean="0"/>
-              <a:t>22/03/2017</a:t>
+              <a:t>08/05/2017</a:t>
             </a:fld>
             <a:endParaRPr lang="en-GB" dirty="0"/>
           </a:p>
@@ -1608,7 +1612,7 @@
           <a:p>
             <a:fld id="{1C54AB3B-3A03-4B9C-A77D-B0E6FF1BCA80}" type="datetimeFigureOut">
               <a:rPr lang="en-GB" smtClean="0"/>
-              <a:t>22/03/2017</a:t>
+              <a:t>08/05/2017</a:t>
             </a:fld>
             <a:endParaRPr lang="en-GB" dirty="0"/>
           </a:p>
@@ -1726,7 +1730,7 @@
           <a:p>
             <a:fld id="{1C54AB3B-3A03-4B9C-A77D-B0E6FF1BCA80}" type="datetimeFigureOut">
               <a:rPr lang="en-GB" smtClean="0"/>
-              <a:t>22/03/2017</a:t>
+              <a:t>08/05/2017</a:t>
             </a:fld>
             <a:endParaRPr lang="en-GB" dirty="0"/>
           </a:p>
@@ -1821,7 +1825,7 @@
           <a:p>
             <a:fld id="{1C54AB3B-3A03-4B9C-A77D-B0E6FF1BCA80}" type="datetimeFigureOut">
               <a:rPr lang="en-GB" smtClean="0"/>
-              <a:t>22/03/2017</a:t>
+              <a:t>08/05/2017</a:t>
             </a:fld>
             <a:endParaRPr lang="en-GB" dirty="0"/>
           </a:p>
@@ -2098,7 +2102,7 @@
           <a:p>
             <a:fld id="{1C54AB3B-3A03-4B9C-A77D-B0E6FF1BCA80}" type="datetimeFigureOut">
               <a:rPr lang="en-GB" smtClean="0"/>
-              <a:t>22/03/2017</a:t>
+              <a:t>08/05/2017</a:t>
             </a:fld>
             <a:endParaRPr lang="en-GB" dirty="0"/>
           </a:p>
@@ -2351,7 +2355,7 @@
           <a:p>
             <a:fld id="{1C54AB3B-3A03-4B9C-A77D-B0E6FF1BCA80}" type="datetimeFigureOut">
               <a:rPr lang="en-GB" smtClean="0"/>
-              <a:t>22/03/2017</a:t>
+              <a:t>08/05/2017</a:t>
             </a:fld>
             <a:endParaRPr lang="en-GB" dirty="0"/>
           </a:p>
@@ -2564,7 +2568,7 @@
           <a:p>
             <a:fld id="{1C54AB3B-3A03-4B9C-A77D-B0E6FF1BCA80}" type="datetimeFigureOut">
               <a:rPr lang="en-GB" smtClean="0"/>
-              <a:t>22/03/2017</a:t>
+              <a:t>08/05/2017</a:t>
             </a:fld>
             <a:endParaRPr lang="en-GB" dirty="0"/>
           </a:p>
@@ -2977,10 +2981,10 @@
         </p:nvGrpSpPr>
         <p:grpSpPr>
           <a:xfrm>
-            <a:off x="564199" y="351100"/>
-            <a:ext cx="4272277" cy="1458388"/>
-            <a:chOff x="526943" y="315296"/>
-            <a:chExt cx="4272277" cy="1458388"/>
+            <a:off x="527543" y="351100"/>
+            <a:ext cx="4345588" cy="1460918"/>
+            <a:chOff x="526944" y="315296"/>
+            <a:chExt cx="4272276" cy="1460918"/>
           </a:xfrm>
         </p:grpSpPr>
         <p:sp>
@@ -3008,7 +3012,7 @@
               <a:pPr algn="ctr"/>
               <a:r>
                 <a:rPr lang="en-GB" sz="1100" b="1" dirty="0">
-                  <a:latin typeface="Times New Roman" panose="02020603050405020304" pitchFamily="18" charset="0"/>
+                  <a:latin typeface="cmr12" panose="020B0500000000000000" pitchFamily="34" charset="0"/>
                   <a:cs typeface="Times New Roman" panose="02020603050405020304" pitchFamily="18" charset="0"/>
                 </a:rPr>
                 <a:t>utilities</a:t>
@@ -3024,7 +3028,7 @@
           </p:nvSpPr>
           <p:spPr>
             <a:xfrm rot="20867463">
-              <a:off x="1446191" y="1388231"/>
+              <a:off x="1470590" y="1388229"/>
               <a:ext cx="980451" cy="261610"/>
             </a:xfrm>
             <a:prstGeom prst="rect">
@@ -3041,7 +3045,7 @@
               <a:pPr algn="ctr"/>
               <a:r>
                 <a:rPr lang="en-GB" sz="1100" b="1" dirty="0">
-                  <a:latin typeface="Times New Roman" panose="02020603050405020304" pitchFamily="18" charset="0"/>
+                  <a:latin typeface="cmr12" panose="020B0500000000000000" pitchFamily="34" charset="0"/>
                   <a:cs typeface="Times New Roman" panose="02020603050405020304" pitchFamily="18" charset="0"/>
                 </a:rPr>
                 <a:t>dpdgraph++</a:t>
@@ -3057,7 +3061,7 @@
           </p:nvSpPr>
           <p:spPr>
             <a:xfrm rot="1125933" flipH="1">
-              <a:off x="1494419" y="468377"/>
+              <a:off x="1494420" y="465948"/>
               <a:ext cx="879686" cy="261610"/>
             </a:xfrm>
             <a:prstGeom prst="rect">
@@ -3074,7 +3078,7 @@
               <a:pPr algn="ctr"/>
               <a:r>
                 <a:rPr lang="en-GB" sz="1100" b="1" dirty="0">
-                  <a:latin typeface="Times New Roman" panose="02020603050405020304" pitchFamily="18" charset="0"/>
+                  <a:latin typeface="cmr12" panose="020B0500000000000000" pitchFamily="34" charset="0"/>
                   <a:cs typeface="Times New Roman" panose="02020603050405020304" pitchFamily="18" charset="0"/>
                 </a:rPr>
                 <a:t>file-graph</a:t>
@@ -3123,7 +3127,7 @@
               <a:pPr algn="ctr"/>
               <a:r>
                 <a:rPr lang="en-GB" sz="1100" dirty="0">
-                  <a:latin typeface="Times New Roman" panose="02020603050405020304" pitchFamily="18" charset="0"/>
+                  <a:latin typeface="cmr12" panose="020B0500000000000000" pitchFamily="34" charset="0"/>
                   <a:cs typeface="Times New Roman" panose="02020603050405020304" pitchFamily="18" charset="0"/>
                 </a:rPr>
                 <a:t>Proof-scripts (*.v)</a:t>
@@ -3181,8 +3185,8 @@
           </p:nvCxnSpPr>
           <p:spPr>
             <a:xfrm flipV="1">
-              <a:off x="1576525" y="1303040"/>
-              <a:ext cx="715474" cy="160570"/>
+              <a:off x="1576526" y="1303040"/>
+              <a:ext cx="715473" cy="163100"/>
             </a:xfrm>
             <a:prstGeom prst="straightConnector1">
               <a:avLst/>
@@ -3217,7 +3221,7 @@
           </p:nvSpPr>
           <p:spPr>
             <a:xfrm>
-              <a:off x="526943" y="1153536"/>
+              <a:off x="526944" y="1156066"/>
               <a:ext cx="1049582" cy="620148"/>
             </a:xfrm>
             <a:prstGeom prst="ellipse">
@@ -3250,22 +3254,25 @@
               <a:pPr algn="ctr"/>
               <a:r>
                 <a:rPr lang="en-GB" sz="1100" dirty="0">
-                  <a:latin typeface="Times New Roman" panose="02020603050405020304" pitchFamily="18" charset="0"/>
+                  <a:latin typeface="cmr12" panose="020B0500000000000000" pitchFamily="34" charset="0"/>
                   <a:cs typeface="Times New Roman" panose="02020603050405020304" pitchFamily="18" charset="0"/>
                 </a:rPr>
                 <a:t>Compiled scripts (*.</a:t>
               </a:r>
               <a:r>
-                <a:rPr lang="en-GB" sz="1100">
-                  <a:latin typeface="Times New Roman" panose="02020603050405020304" pitchFamily="18" charset="0"/>
+                <a:rPr lang="en-GB" sz="1100" dirty="0" err="1">
+                  <a:latin typeface="cmr12" panose="020B0500000000000000" pitchFamily="34" charset="0"/>
                   <a:cs typeface="Times New Roman" panose="02020603050405020304" pitchFamily="18" charset="0"/>
                 </a:rPr>
-                <a:t>vo)</a:t>
+                <a:t>vo</a:t>
               </a:r>
-              <a:endParaRPr lang="en-GB" sz="1100" dirty="0">
-                <a:latin typeface="Times New Roman" panose="02020603050405020304" pitchFamily="18" charset="0"/>
-                <a:cs typeface="Times New Roman" panose="02020603050405020304" pitchFamily="18" charset="0"/>
-              </a:endParaRPr>
+              <a:r>
+                <a:rPr lang="en-GB" sz="1100" dirty="0">
+                  <a:latin typeface="cmr12" panose="020B0500000000000000" pitchFamily="34" charset="0"/>
+                  <a:cs typeface="Times New Roman" panose="02020603050405020304" pitchFamily="18" charset="0"/>
+                </a:rPr>
+                <a:t>)</a:t>
+              </a:r>
             </a:p>
           </p:txBody>
         </p:sp>
@@ -3310,7 +3317,7 @@
               <a:pPr algn="ctr"/>
               <a:r>
                 <a:rPr lang="en-GB" sz="1100" dirty="0">
-                  <a:latin typeface="Times New Roman" panose="02020603050405020304" pitchFamily="18" charset="0"/>
+                  <a:latin typeface="cmr12" panose="020B0500000000000000" pitchFamily="34" charset="0"/>
                   <a:cs typeface="Times New Roman" panose="02020603050405020304" pitchFamily="18" charset="0"/>
                 </a:rPr>
                 <a:t>Merge into model</a:t>
@@ -3359,7 +3366,7 @@
               <a:pPr algn="ctr"/>
               <a:r>
                 <a:rPr lang="en-GB" sz="1100" dirty="0">
-                  <a:latin typeface="Times New Roman" panose="02020603050405020304" pitchFamily="18" charset="0"/>
+                  <a:latin typeface="cmr12" panose="020B0500000000000000" pitchFamily="34" charset="0"/>
                   <a:cs typeface="Times New Roman" panose="02020603050405020304" pitchFamily="18" charset="0"/>
                 </a:rPr>
                 <a:t>Neo4j</a:t>
@@ -3369,7 +3376,7 @@
               <a:pPr algn="ctr"/>
               <a:r>
                 <a:rPr lang="en-GB" sz="1100" dirty="0">
-                  <a:latin typeface="Times New Roman" panose="02020603050405020304" pitchFamily="18" charset="0"/>
+                  <a:latin typeface="cmr12" panose="020B0500000000000000" pitchFamily="34" charset="0"/>
                   <a:cs typeface="Times New Roman" panose="02020603050405020304" pitchFamily="18" charset="0"/>
                 </a:rPr>
                 <a:t>Database</a:t>
@@ -3402,7 +3409,7 @@
               <a:pPr algn="ctr"/>
               <a:r>
                 <a:rPr lang="en-GB" sz="1100" b="1" dirty="0">
-                  <a:latin typeface="Times New Roman" panose="02020603050405020304" pitchFamily="18" charset="0"/>
+                  <a:latin typeface="cmr12" panose="020B0500000000000000" pitchFamily="34" charset="0"/>
                   <a:cs typeface="Times New Roman" panose="02020603050405020304" pitchFamily="18" charset="0"/>
                 </a:rPr>
                 <a:t>library of queries</a:t>
@@ -3423,8 +3430,8 @@
         </p:nvCxnSpPr>
         <p:spPr>
           <a:xfrm>
-            <a:off x="3225129" y="1119589"/>
-            <a:ext cx="561765" cy="0"/>
+            <a:off x="3234134" y="1119589"/>
+            <a:ext cx="571404" cy="0"/>
           </a:xfrm>
           <a:prstGeom prst="straightConnector1">
             <a:avLst/>

--- a/proposal/proposal-project-structure-diagram.pptx
+++ b/proposal/proposal-project-structure-diagram.pptx
@@ -247,7 +247,7 @@
           <a:p>
             <a:fld id="{1C54AB3B-3A03-4B9C-A77D-B0E6FF1BCA80}" type="datetimeFigureOut">
               <a:rPr lang="en-GB" smtClean="0"/>
-              <a:t>08/05/2017</a:t>
+              <a:t>11/05/2017</a:t>
             </a:fld>
             <a:endParaRPr lang="en-GB" dirty="0"/>
           </a:p>
@@ -417,7 +417,7 @@
           <a:p>
             <a:fld id="{1C54AB3B-3A03-4B9C-A77D-B0E6FF1BCA80}" type="datetimeFigureOut">
               <a:rPr lang="en-GB" smtClean="0"/>
-              <a:t>08/05/2017</a:t>
+              <a:t>11/05/2017</a:t>
             </a:fld>
             <a:endParaRPr lang="en-GB" dirty="0"/>
           </a:p>
@@ -597,7 +597,7 @@
           <a:p>
             <a:fld id="{1C54AB3B-3A03-4B9C-A77D-B0E6FF1BCA80}" type="datetimeFigureOut">
               <a:rPr lang="en-GB" smtClean="0"/>
-              <a:t>08/05/2017</a:t>
+              <a:t>11/05/2017</a:t>
             </a:fld>
             <a:endParaRPr lang="en-GB" dirty="0"/>
           </a:p>
@@ -767,7 +767,7 @@
           <a:p>
             <a:fld id="{1C54AB3B-3A03-4B9C-A77D-B0E6FF1BCA80}" type="datetimeFigureOut">
               <a:rPr lang="en-GB" smtClean="0"/>
-              <a:t>08/05/2017</a:t>
+              <a:t>11/05/2017</a:t>
             </a:fld>
             <a:endParaRPr lang="en-GB" dirty="0"/>
           </a:p>
@@ -1013,7 +1013,7 @@
           <a:p>
             <a:fld id="{1C54AB3B-3A03-4B9C-A77D-B0E6FF1BCA80}" type="datetimeFigureOut">
               <a:rPr lang="en-GB" smtClean="0"/>
-              <a:t>08/05/2017</a:t>
+              <a:t>11/05/2017</a:t>
             </a:fld>
             <a:endParaRPr lang="en-GB" dirty="0"/>
           </a:p>
@@ -1245,7 +1245,7 @@
           <a:p>
             <a:fld id="{1C54AB3B-3A03-4B9C-A77D-B0E6FF1BCA80}" type="datetimeFigureOut">
               <a:rPr lang="en-GB" smtClean="0"/>
-              <a:t>08/05/2017</a:t>
+              <a:t>11/05/2017</a:t>
             </a:fld>
             <a:endParaRPr lang="en-GB" dirty="0"/>
           </a:p>
@@ -1612,7 +1612,7 @@
           <a:p>
             <a:fld id="{1C54AB3B-3A03-4B9C-A77D-B0E6FF1BCA80}" type="datetimeFigureOut">
               <a:rPr lang="en-GB" smtClean="0"/>
-              <a:t>08/05/2017</a:t>
+              <a:t>11/05/2017</a:t>
             </a:fld>
             <a:endParaRPr lang="en-GB" dirty="0"/>
           </a:p>
@@ -1730,7 +1730,7 @@
           <a:p>
             <a:fld id="{1C54AB3B-3A03-4B9C-A77D-B0E6FF1BCA80}" type="datetimeFigureOut">
               <a:rPr lang="en-GB" smtClean="0"/>
-              <a:t>08/05/2017</a:t>
+              <a:t>11/05/2017</a:t>
             </a:fld>
             <a:endParaRPr lang="en-GB" dirty="0"/>
           </a:p>
@@ -1825,7 +1825,7 @@
           <a:p>
             <a:fld id="{1C54AB3B-3A03-4B9C-A77D-B0E6FF1BCA80}" type="datetimeFigureOut">
               <a:rPr lang="en-GB" smtClean="0"/>
-              <a:t>08/05/2017</a:t>
+              <a:t>11/05/2017</a:t>
             </a:fld>
             <a:endParaRPr lang="en-GB" dirty="0"/>
           </a:p>
@@ -2102,7 +2102,7 @@
           <a:p>
             <a:fld id="{1C54AB3B-3A03-4B9C-A77D-B0E6FF1BCA80}" type="datetimeFigureOut">
               <a:rPr lang="en-GB" smtClean="0"/>
-              <a:t>08/05/2017</a:t>
+              <a:t>11/05/2017</a:t>
             </a:fld>
             <a:endParaRPr lang="en-GB" dirty="0"/>
           </a:p>
@@ -2355,7 +2355,7 @@
           <a:p>
             <a:fld id="{1C54AB3B-3A03-4B9C-A77D-B0E6FF1BCA80}" type="datetimeFigureOut">
               <a:rPr lang="en-GB" smtClean="0"/>
-              <a:t>08/05/2017</a:t>
+              <a:t>11/05/2017</a:t>
             </a:fld>
             <a:endParaRPr lang="en-GB" dirty="0"/>
           </a:p>
@@ -2568,7 +2568,7 @@
           <a:p>
             <a:fld id="{1C54AB3B-3A03-4B9C-A77D-B0E6FF1BCA80}" type="datetimeFigureOut">
               <a:rPr lang="en-GB" smtClean="0"/>
-              <a:t>08/05/2017</a:t>
+              <a:t>11/05/2017</a:t>
             </a:fld>
             <a:endParaRPr lang="en-GB" dirty="0"/>
           </a:p>
@@ -3011,7 +3011,7 @@
             <a:p>
               <a:pPr algn="ctr"/>
               <a:r>
-                <a:rPr lang="en-GB" sz="1100" b="1" dirty="0">
+                <a:rPr lang="en-GB" sz="1100" dirty="0">
                   <a:latin typeface="cmr12" panose="020B0500000000000000" pitchFamily="34" charset="0"/>
                   <a:cs typeface="Times New Roman" panose="02020603050405020304" pitchFamily="18" charset="0"/>
                 </a:rPr>
@@ -3044,7 +3044,7 @@
             <a:p>
               <a:pPr algn="ctr"/>
               <a:r>
-                <a:rPr lang="en-GB" sz="1100" b="1" dirty="0">
+                <a:rPr lang="en-GB" sz="1100" dirty="0">
                   <a:latin typeface="cmr12" panose="020B0500000000000000" pitchFamily="34" charset="0"/>
                   <a:cs typeface="Times New Roman" panose="02020603050405020304" pitchFamily="18" charset="0"/>
                 </a:rPr>
@@ -3077,7 +3077,7 @@
             <a:p>
               <a:pPr algn="ctr"/>
               <a:r>
-                <a:rPr lang="en-GB" sz="1100" b="1" dirty="0">
+                <a:rPr lang="en-GB" sz="1100" dirty="0">
                   <a:latin typeface="cmr12" panose="020B0500000000000000" pitchFamily="34" charset="0"/>
                   <a:cs typeface="Times New Roman" panose="02020603050405020304" pitchFamily="18" charset="0"/>
                 </a:rPr>
@@ -3408,7 +3408,7 @@
             <a:p>
               <a:pPr algn="ctr"/>
               <a:r>
-                <a:rPr lang="en-GB" sz="1100" b="1" dirty="0">
+                <a:rPr lang="en-GB" sz="1100" dirty="0">
                   <a:latin typeface="cmr12" panose="020B0500000000000000" pitchFamily="34" charset="0"/>
                   <a:cs typeface="Times New Roman" panose="02020603050405020304" pitchFamily="18" charset="0"/>
                 </a:rPr>
